--- a/ppt/Python03-Structures.pptx
+++ b/ppt/Python03-Structures.pptx
@@ -5,10 +5,10 @@
     <p:sldMasterId id="2147483653" r:id="rId1"/>
   </p:sldMasterIdLst>
   <p:notesMasterIdLst>
-    <p:notesMasterId r:id="rId15"/>
+    <p:notesMasterId r:id="rId14"/>
   </p:notesMasterIdLst>
   <p:handoutMasterIdLst>
-    <p:handoutMasterId r:id="rId16"/>
+    <p:handoutMasterId r:id="rId15"/>
   </p:handoutMasterIdLst>
   <p:sldIdLst>
     <p:sldId id="264" r:id="rId2"/>
@@ -23,7 +23,6 @@
     <p:sldId id="269" r:id="rId11"/>
     <p:sldId id="271" r:id="rId12"/>
     <p:sldId id="270" r:id="rId13"/>
-    <p:sldId id="278" r:id="rId14"/>
   </p:sldIdLst>
   <p:sldSz cx="9144000" cy="6858000" type="screen4x3"/>
   <p:notesSz cx="6648450" cy="9782175"/>
@@ -616,35 +615,35 @@
           <a:p>
             <a:pPr lvl="0"/>
             <a:r>
-              <a:rPr lang="fr-FR" noProof="0" smtClean="0"/>
+              <a:rPr lang="fr-FR" noProof="0"/>
               <a:t>Cliquez pour modifier les styles du texte du masque</a:t>
             </a:r>
           </a:p>
           <a:p>
             <a:pPr lvl="1"/>
             <a:r>
-              <a:rPr lang="fr-FR" noProof="0" smtClean="0"/>
+              <a:rPr lang="fr-FR" noProof="0"/>
               <a:t>Deuxième niveau</a:t>
             </a:r>
           </a:p>
           <a:p>
             <a:pPr lvl="2"/>
             <a:r>
-              <a:rPr lang="fr-FR" noProof="0" smtClean="0"/>
+              <a:rPr lang="fr-FR" noProof="0"/>
               <a:t>Troisième niveau</a:t>
             </a:r>
           </a:p>
           <a:p>
             <a:pPr lvl="3"/>
             <a:r>
-              <a:rPr lang="fr-FR" noProof="0" smtClean="0"/>
+              <a:rPr lang="fr-FR" noProof="0"/>
               <a:t>Quatrième niveau</a:t>
             </a:r>
           </a:p>
           <a:p>
             <a:pPr lvl="4"/>
             <a:r>
-              <a:rPr lang="fr-FR" noProof="0" smtClean="0"/>
+              <a:rPr lang="fr-FR" noProof="0"/>
               <a:t>Cinquième niveau</a:t>
             </a:r>
           </a:p>
@@ -932,10 +931,9 @@
           <a:lstStyle/>
           <a:p>
             <a:r>
-              <a:rPr lang="fr-FR" smtClean="0"/>
+              <a:rPr lang="fr-FR"/>
               <a:t>Cliquez pour modifier le style du titre</a:t>
             </a:r>
-            <a:endParaRPr lang="fr-FR"/>
           </a:p>
         </p:txBody>
       </p:sp>
@@ -997,10 +995,9 @@
           </a:lstStyle>
           <a:p>
             <a:r>
-              <a:rPr lang="fr-FR" smtClean="0"/>
+              <a:rPr lang="fr-FR"/>
               <a:t>Cliquez pour modifier le style des sous-titres du masque</a:t>
             </a:r>
-            <a:endParaRPr lang="fr-FR"/>
           </a:p>
         </p:txBody>
       </p:sp>
@@ -1055,10 +1052,9 @@
           <a:lstStyle/>
           <a:p>
             <a:r>
-              <a:rPr lang="fr-FR" smtClean="0"/>
+              <a:rPr lang="fr-FR"/>
               <a:t>Cliquez pour modifier le style du titre</a:t>
             </a:r>
-            <a:endParaRPr lang="fr-FR"/>
           </a:p>
         </p:txBody>
       </p:sp>
@@ -1084,38 +1080,37 @@
           <a:p>
             <a:pPr lvl="0"/>
             <a:r>
-              <a:rPr lang="fr-FR" smtClean="0"/>
+              <a:rPr lang="fr-FR"/>
               <a:t>Cliquez pour modifier les styles du texte du masque</a:t>
             </a:r>
           </a:p>
           <a:p>
             <a:pPr lvl="1"/>
             <a:r>
-              <a:rPr lang="fr-FR" smtClean="0"/>
+              <a:rPr lang="fr-FR"/>
               <a:t>Deuxième niveau</a:t>
             </a:r>
           </a:p>
           <a:p>
             <a:pPr lvl="2"/>
             <a:r>
-              <a:rPr lang="fr-FR" smtClean="0"/>
+              <a:rPr lang="fr-FR"/>
               <a:t>Troisième niveau</a:t>
             </a:r>
           </a:p>
           <a:p>
             <a:pPr lvl="3"/>
             <a:r>
-              <a:rPr lang="fr-FR" smtClean="0"/>
+              <a:rPr lang="fr-FR"/>
               <a:t>Quatrième niveau</a:t>
             </a:r>
           </a:p>
           <a:p>
             <a:pPr lvl="4"/>
             <a:r>
-              <a:rPr lang="fr-FR" smtClean="0"/>
+              <a:rPr lang="fr-FR"/>
               <a:t>Cinquième niveau</a:t>
             </a:r>
-            <a:endParaRPr lang="fr-FR"/>
           </a:p>
         </p:txBody>
       </p:sp>
@@ -1174,10 +1169,9 @@
           </a:lstStyle>
           <a:p>
             <a:r>
-              <a:rPr lang="fr-FR" dirty="0" smtClean="0"/>
+              <a:rPr lang="fr-FR" dirty="0"/>
               <a:t>Cliquez pour modifier le style du titre</a:t>
             </a:r>
-            <a:endParaRPr lang="fr-FR" dirty="0"/>
           </a:p>
         </p:txBody>
       </p:sp>
@@ -1203,38 +1197,37 @@
           <a:p>
             <a:pPr lvl="0"/>
             <a:r>
-              <a:rPr lang="fr-FR" dirty="0" smtClean="0"/>
+              <a:rPr lang="fr-FR" dirty="0"/>
               <a:t>Cliquez pour modifier les styles du texte du masque</a:t>
             </a:r>
           </a:p>
           <a:p>
             <a:pPr lvl="1"/>
             <a:r>
-              <a:rPr lang="fr-FR" dirty="0" smtClean="0"/>
+              <a:rPr lang="fr-FR" dirty="0"/>
               <a:t>Deuxième niveau</a:t>
             </a:r>
           </a:p>
           <a:p>
             <a:pPr lvl="2"/>
             <a:r>
-              <a:rPr lang="fr-FR" dirty="0" smtClean="0"/>
+              <a:rPr lang="fr-FR" dirty="0"/>
               <a:t>Troisième niveau</a:t>
             </a:r>
           </a:p>
           <a:p>
             <a:pPr lvl="3"/>
             <a:r>
-              <a:rPr lang="fr-FR" dirty="0" smtClean="0"/>
+              <a:rPr lang="fr-FR" dirty="0"/>
               <a:t>Quatrième niveau</a:t>
             </a:r>
           </a:p>
           <a:p>
             <a:pPr lvl="4"/>
             <a:r>
-              <a:rPr lang="fr-FR" dirty="0" smtClean="0"/>
+              <a:rPr lang="fr-FR" dirty="0"/>
               <a:t>Cinquième niveau</a:t>
             </a:r>
-            <a:endParaRPr lang="fr-FR" dirty="0"/>
           </a:p>
         </p:txBody>
       </p:sp>
@@ -1284,10 +1277,9 @@
           <a:lstStyle/>
           <a:p>
             <a:r>
-              <a:rPr lang="fr-FR" smtClean="0"/>
+              <a:rPr lang="fr-FR"/>
               <a:t>Cliquez pour modifier le style du titre</a:t>
             </a:r>
-            <a:endParaRPr lang="fr-FR"/>
           </a:p>
         </p:txBody>
       </p:sp>
@@ -1341,38 +1333,37 @@
           <a:p>
             <a:pPr lvl="0"/>
             <a:r>
-              <a:rPr lang="fr-FR" smtClean="0"/>
+              <a:rPr lang="fr-FR"/>
               <a:t>Cliquez pour modifier les styles du texte du masque</a:t>
             </a:r>
           </a:p>
           <a:p>
             <a:pPr lvl="1"/>
             <a:r>
-              <a:rPr lang="fr-FR" smtClean="0"/>
+              <a:rPr lang="fr-FR"/>
               <a:t>Deuxième niveau</a:t>
             </a:r>
           </a:p>
           <a:p>
             <a:pPr lvl="2"/>
             <a:r>
-              <a:rPr lang="fr-FR" smtClean="0"/>
+              <a:rPr lang="fr-FR"/>
               <a:t>Troisième niveau</a:t>
             </a:r>
           </a:p>
           <a:p>
             <a:pPr lvl="3"/>
             <a:r>
-              <a:rPr lang="fr-FR" smtClean="0"/>
+              <a:rPr lang="fr-FR"/>
               <a:t>Quatrième niveau</a:t>
             </a:r>
           </a:p>
           <a:p>
             <a:pPr lvl="4"/>
             <a:r>
-              <a:rPr lang="fr-FR" smtClean="0"/>
+              <a:rPr lang="fr-FR"/>
               <a:t>Cinquième niveau</a:t>
             </a:r>
-            <a:endParaRPr lang="fr-FR"/>
           </a:p>
         </p:txBody>
       </p:sp>
@@ -1426,38 +1417,37 @@
           <a:p>
             <a:pPr lvl="0"/>
             <a:r>
-              <a:rPr lang="fr-FR" smtClean="0"/>
+              <a:rPr lang="fr-FR"/>
               <a:t>Cliquez pour modifier les styles du texte du masque</a:t>
             </a:r>
           </a:p>
           <a:p>
             <a:pPr lvl="1"/>
             <a:r>
-              <a:rPr lang="fr-FR" smtClean="0"/>
+              <a:rPr lang="fr-FR"/>
               <a:t>Deuxième niveau</a:t>
             </a:r>
           </a:p>
           <a:p>
             <a:pPr lvl="2"/>
             <a:r>
-              <a:rPr lang="fr-FR" smtClean="0"/>
+              <a:rPr lang="fr-FR"/>
               <a:t>Troisième niveau</a:t>
             </a:r>
           </a:p>
           <a:p>
             <a:pPr lvl="3"/>
             <a:r>
-              <a:rPr lang="fr-FR" smtClean="0"/>
+              <a:rPr lang="fr-FR"/>
               <a:t>Quatrième niveau</a:t>
             </a:r>
           </a:p>
           <a:p>
             <a:pPr lvl="4"/>
             <a:r>
-              <a:rPr lang="fr-FR" smtClean="0"/>
+              <a:rPr lang="fr-FR"/>
               <a:t>Cinquième niveau</a:t>
             </a:r>
-            <a:endParaRPr lang="fr-FR"/>
           </a:p>
         </p:txBody>
       </p:sp>
@@ -1516,10 +1506,9 @@
           </a:lstStyle>
           <a:p>
             <a:r>
-              <a:rPr lang="fr-FR" smtClean="0"/>
+              <a:rPr lang="fr-FR"/>
               <a:t>Cliquez pour modifier le style du titre</a:t>
             </a:r>
-            <a:endParaRPr lang="fr-FR"/>
           </a:p>
         </p:txBody>
       </p:sp>
@@ -1582,7 +1571,7 @@
           <a:p>
             <a:pPr lvl="0"/>
             <a:r>
-              <a:rPr lang="fr-FR" smtClean="0"/>
+              <a:rPr lang="fr-FR"/>
               <a:t>Cliquez pour modifier les styles du texte du masque</a:t>
             </a:r>
           </a:p>
@@ -1638,38 +1627,37 @@
           <a:p>
             <a:pPr lvl="0"/>
             <a:r>
-              <a:rPr lang="fr-FR" smtClean="0"/>
+              <a:rPr lang="fr-FR"/>
               <a:t>Cliquez pour modifier les styles du texte du masque</a:t>
             </a:r>
           </a:p>
           <a:p>
             <a:pPr lvl="1"/>
             <a:r>
-              <a:rPr lang="fr-FR" smtClean="0"/>
+              <a:rPr lang="fr-FR"/>
               <a:t>Deuxième niveau</a:t>
             </a:r>
           </a:p>
           <a:p>
             <a:pPr lvl="2"/>
             <a:r>
-              <a:rPr lang="fr-FR" smtClean="0"/>
+              <a:rPr lang="fr-FR"/>
               <a:t>Troisième niveau</a:t>
             </a:r>
           </a:p>
           <a:p>
             <a:pPr lvl="3"/>
             <a:r>
-              <a:rPr lang="fr-FR" smtClean="0"/>
+              <a:rPr lang="fr-FR"/>
               <a:t>Quatrième niveau</a:t>
             </a:r>
           </a:p>
           <a:p>
             <a:pPr lvl="4"/>
             <a:r>
-              <a:rPr lang="fr-FR" smtClean="0"/>
+              <a:rPr lang="fr-FR"/>
               <a:t>Cinquième niveau</a:t>
             </a:r>
-            <a:endParaRPr lang="fr-FR"/>
           </a:p>
         </p:txBody>
       </p:sp>
@@ -1732,7 +1720,7 @@
           <a:p>
             <a:pPr lvl="0"/>
             <a:r>
-              <a:rPr lang="fr-FR" smtClean="0"/>
+              <a:rPr lang="fr-FR"/>
               <a:t>Cliquez pour modifier les styles du texte du masque</a:t>
             </a:r>
           </a:p>
@@ -1788,38 +1776,37 @@
           <a:p>
             <a:pPr lvl="0"/>
             <a:r>
-              <a:rPr lang="fr-FR" smtClean="0"/>
+              <a:rPr lang="fr-FR"/>
               <a:t>Cliquez pour modifier les styles du texte du masque</a:t>
             </a:r>
           </a:p>
           <a:p>
             <a:pPr lvl="1"/>
             <a:r>
-              <a:rPr lang="fr-FR" smtClean="0"/>
+              <a:rPr lang="fr-FR"/>
               <a:t>Deuxième niveau</a:t>
             </a:r>
           </a:p>
           <a:p>
             <a:pPr lvl="2"/>
             <a:r>
-              <a:rPr lang="fr-FR" smtClean="0"/>
+              <a:rPr lang="fr-FR"/>
               <a:t>Troisième niveau</a:t>
             </a:r>
           </a:p>
           <a:p>
             <a:pPr lvl="3"/>
             <a:r>
-              <a:rPr lang="fr-FR" smtClean="0"/>
+              <a:rPr lang="fr-FR"/>
               <a:t>Quatrième niveau</a:t>
             </a:r>
           </a:p>
           <a:p>
             <a:pPr lvl="4"/>
             <a:r>
-              <a:rPr lang="fr-FR" smtClean="0"/>
+              <a:rPr lang="fr-FR"/>
               <a:t>Cinquième niveau</a:t>
             </a:r>
-            <a:endParaRPr lang="fr-FR"/>
           </a:p>
         </p:txBody>
       </p:sp>
@@ -1869,10 +1856,9 @@
           <a:lstStyle/>
           <a:p>
             <a:r>
-              <a:rPr lang="fr-FR" smtClean="0"/>
+              <a:rPr lang="fr-FR"/>
               <a:t>Cliquez pour modifier le style du titre</a:t>
             </a:r>
-            <a:endParaRPr lang="fr-FR"/>
           </a:p>
         </p:txBody>
       </p:sp>
@@ -1961,10 +1947,9 @@
           </a:lstStyle>
           <a:p>
             <a:r>
-              <a:rPr lang="fr-FR" smtClean="0"/>
+              <a:rPr lang="fr-FR"/>
               <a:t>Cliquez pour modifier le style du titre</a:t>
             </a:r>
-            <a:endParaRPr lang="fr-FR"/>
           </a:p>
         </p:txBody>
       </p:sp>
@@ -2018,38 +2003,37 @@
           <a:p>
             <a:pPr lvl="0"/>
             <a:r>
-              <a:rPr lang="fr-FR" smtClean="0"/>
+              <a:rPr lang="fr-FR"/>
               <a:t>Cliquez pour modifier les styles du texte du masque</a:t>
             </a:r>
           </a:p>
           <a:p>
             <a:pPr lvl="1"/>
             <a:r>
-              <a:rPr lang="fr-FR" smtClean="0"/>
+              <a:rPr lang="fr-FR"/>
               <a:t>Deuxième niveau</a:t>
             </a:r>
           </a:p>
           <a:p>
             <a:pPr lvl="2"/>
             <a:r>
-              <a:rPr lang="fr-FR" smtClean="0"/>
+              <a:rPr lang="fr-FR"/>
               <a:t>Troisième niveau</a:t>
             </a:r>
           </a:p>
           <a:p>
             <a:pPr lvl="3"/>
             <a:r>
-              <a:rPr lang="fr-FR" smtClean="0"/>
+              <a:rPr lang="fr-FR"/>
               <a:t>Quatrième niveau</a:t>
             </a:r>
           </a:p>
           <a:p>
             <a:pPr lvl="4"/>
             <a:r>
-              <a:rPr lang="fr-FR" smtClean="0"/>
+              <a:rPr lang="fr-FR"/>
               <a:t>Cinquième niveau</a:t>
             </a:r>
-            <a:endParaRPr lang="fr-FR"/>
           </a:p>
         </p:txBody>
       </p:sp>
@@ -2112,7 +2096,7 @@
           <a:p>
             <a:pPr lvl="0"/>
             <a:r>
-              <a:rPr lang="fr-FR" smtClean="0"/>
+              <a:rPr lang="fr-FR"/>
               <a:t>Cliquez pour modifier les styles du texte du masque</a:t>
             </a:r>
           </a:p>
@@ -2173,10 +2157,9 @@
           </a:lstStyle>
           <a:p>
             <a:r>
-              <a:rPr lang="fr-FR" smtClean="0"/>
+              <a:rPr lang="fr-FR"/>
               <a:t>Cliquez pour modifier le style du titre</a:t>
             </a:r>
-            <a:endParaRPr lang="fr-FR"/>
           </a:p>
         </p:txBody>
       </p:sp>
@@ -2238,7 +2221,7 @@
           </a:lstStyle>
           <a:p>
             <a:pPr lvl="0"/>
-            <a:endParaRPr lang="fr-FR" noProof="0" smtClean="0"/>
+            <a:endParaRPr lang="fr-FR" noProof="0"/>
           </a:p>
         </p:txBody>
       </p:sp>
@@ -2301,7 +2284,7 @@
           <a:p>
             <a:pPr lvl="0"/>
             <a:r>
-              <a:rPr lang="fr-FR" smtClean="0"/>
+              <a:rPr lang="fr-FR"/>
               <a:t>Cliquez pour modifier les styles du texte du masque</a:t>
             </a:r>
           </a:p>
@@ -2353,10 +2336,9 @@
           <a:lstStyle/>
           <a:p>
             <a:r>
-              <a:rPr lang="fr-FR" smtClean="0"/>
+              <a:rPr lang="fr-FR"/>
               <a:t>Cliquez pour modifier le style du titre</a:t>
             </a:r>
-            <a:endParaRPr lang="fr-FR"/>
           </a:p>
         </p:txBody>
       </p:sp>
@@ -2377,38 +2359,37 @@
           <a:p>
             <a:pPr lvl="0"/>
             <a:r>
-              <a:rPr lang="fr-FR" smtClean="0"/>
+              <a:rPr lang="fr-FR"/>
               <a:t>Cliquez pour modifier les styles du texte du masque</a:t>
             </a:r>
           </a:p>
           <a:p>
             <a:pPr lvl="1"/>
             <a:r>
-              <a:rPr lang="fr-FR" smtClean="0"/>
+              <a:rPr lang="fr-FR"/>
               <a:t>Deuxième niveau</a:t>
             </a:r>
           </a:p>
           <a:p>
             <a:pPr lvl="2"/>
             <a:r>
-              <a:rPr lang="fr-FR" smtClean="0"/>
+              <a:rPr lang="fr-FR"/>
               <a:t>Troisième niveau</a:t>
             </a:r>
           </a:p>
           <a:p>
             <a:pPr lvl="3"/>
             <a:r>
-              <a:rPr lang="fr-FR" smtClean="0"/>
+              <a:rPr lang="fr-FR"/>
               <a:t>Quatrième niveau</a:t>
             </a:r>
           </a:p>
           <a:p>
             <a:pPr lvl="4"/>
             <a:r>
-              <a:rPr lang="fr-FR" smtClean="0"/>
+              <a:rPr lang="fr-FR"/>
               <a:t>Cinquième niveau</a:t>
             </a:r>
-            <a:endParaRPr lang="fr-FR"/>
           </a:p>
         </p:txBody>
       </p:sp>
@@ -2589,7 +2570,7 @@
             <a:pPr eaLnBrk="1" hangingPunct="1">
               <a:defRPr/>
             </a:pPr>
-            <a:endParaRPr lang="fr-FR" altLang="fr-FR" smtClean="0"/>
+            <a:endParaRPr lang="fr-FR" altLang="fr-FR"/>
           </a:p>
         </p:txBody>
       </p:sp>
@@ -2743,7 +2724,7 @@
               <a:defRPr/>
             </a:pPr>
             <a:r>
-              <a:rPr lang="fr-FR" sz="1200" dirty="0" smtClean="0"/>
+              <a:rPr lang="fr-FR" sz="1200" dirty="0"/>
               <a:t>Page </a:t>
             </a:r>
             <a:fld id="{E218E9B1-FD08-4C80-902E-210BA2967D0D}" type="slidenum">
@@ -2756,7 +2737,7 @@
               </a:pPr>
               <a:t>‹N°›</a:t>
             </a:fld>
-            <a:endParaRPr lang="fr-FR" dirty="0" smtClean="0">
+            <a:endParaRPr lang="fr-FR" dirty="0">
               <a:latin typeface="Times New Roman" pitchFamily="18" charset="0"/>
             </a:endParaRPr>
           </a:p>
@@ -2912,10 +2893,10 @@
               <a:defRPr/>
             </a:pPr>
             <a:r>
-              <a:rPr lang="fr-FR" sz="1600" dirty="0" smtClean="0"/>
+              <a:rPr lang="fr-FR" sz="1600" dirty="0"/>
               <a:t>Python</a:t>
             </a:r>
-            <a:endParaRPr lang="fr-FR" dirty="0" smtClean="0">
+            <a:endParaRPr lang="fr-FR" dirty="0">
               <a:latin typeface="Times New Roman" pitchFamily="18" charset="0"/>
             </a:endParaRPr>
           </a:p>
@@ -2973,7 +2954,7 @@
           <a:p>
             <a:pPr lvl="0"/>
             <a:r>
-              <a:rPr lang="fr-FR" altLang="fr-FR" smtClean="0"/>
+              <a:rPr lang="fr-FR" altLang="fr-FR"/>
               <a:t>Cliquez pour modifier le style du titre du masque</a:t>
             </a:r>
           </a:p>
@@ -3031,35 +3012,35 @@
           <a:p>
             <a:pPr lvl="0"/>
             <a:r>
-              <a:rPr lang="fr-FR" altLang="fr-FR" smtClean="0"/>
+              <a:rPr lang="fr-FR" altLang="fr-FR"/>
               <a:t>Cliquez pour modifier les styles du texte du masque</a:t>
             </a:r>
           </a:p>
           <a:p>
             <a:pPr lvl="1"/>
             <a:r>
-              <a:rPr lang="fr-FR" altLang="fr-FR" smtClean="0"/>
+              <a:rPr lang="fr-FR" altLang="fr-FR"/>
               <a:t>Deuxième niveau</a:t>
             </a:r>
           </a:p>
           <a:p>
             <a:pPr lvl="2"/>
             <a:r>
-              <a:rPr lang="fr-FR" altLang="fr-FR" smtClean="0"/>
+              <a:rPr lang="fr-FR" altLang="fr-FR"/>
               <a:t>Troisième niveau</a:t>
             </a:r>
           </a:p>
           <a:p>
             <a:pPr lvl="3"/>
             <a:r>
-              <a:rPr lang="fr-FR" altLang="fr-FR" smtClean="0"/>
+              <a:rPr lang="fr-FR" altLang="fr-FR"/>
               <a:t>Quatrième niveau</a:t>
             </a:r>
           </a:p>
           <a:p>
             <a:pPr lvl="4"/>
             <a:r>
-              <a:rPr lang="fr-FR" altLang="fr-FR" smtClean="0"/>
+              <a:rPr lang="fr-FR" altLang="fr-FR"/>
               <a:t>Cinquième niveau</a:t>
             </a:r>
           </a:p>
@@ -3215,10 +3196,10 @@
               <a:defRPr/>
             </a:pPr>
             <a:r>
-              <a:rPr lang="fr-FR" sz="1200" smtClean="0"/>
+              <a:rPr lang="fr-FR" sz="1200"/>
               <a:t>© Cyril Vincent Conseil</a:t>
             </a:r>
-            <a:endParaRPr lang="fr-FR" smtClean="0">
+            <a:endParaRPr lang="fr-FR">
               <a:latin typeface="Times New Roman" pitchFamily="18" charset="0"/>
             </a:endParaRPr>
           </a:p>
@@ -3700,15 +3681,15 @@
           <a:p>
             <a:pPr eaLnBrk="1" hangingPunct="1"/>
             <a:r>
-              <a:rPr lang="fr-FR" altLang="fr-FR" smtClean="0"/>
+              <a:rPr lang="fr-FR" altLang="fr-FR"/>
               <a:t>Chapitre 3</a:t>
             </a:r>
-            <a:endParaRPr lang="fr-FR" altLang="fr-FR" dirty="0" smtClean="0"/>
+            <a:endParaRPr lang="fr-FR" altLang="fr-FR" dirty="0"/>
           </a:p>
           <a:p>
             <a:pPr eaLnBrk="1" hangingPunct="1"/>
             <a:r>
-              <a:rPr lang="fr-FR" altLang="fr-FR" dirty="0" smtClean="0"/>
+              <a:rPr lang="fr-FR" altLang="fr-FR" dirty="0"/>
               <a:t>Structures de contrôle</a:t>
             </a:r>
           </a:p>
@@ -3760,13 +3741,6 @@
   <p:clrMapOvr>
     <a:masterClrMapping/>
   </p:clrMapOvr>
-  <p:timing>
-    <p:tnLst>
-      <p:par>
-        <p:cTn id="1" dur="indefinite" restart="never" nodeType="tmRoot"/>
-      </p:par>
-    </p:tnLst>
-  </p:timing>
 </p:sld>
 </file>
 
@@ -3803,10 +3777,9 @@
           <a:lstStyle/>
           <a:p>
             <a:r>
-              <a:rPr lang="fr-FR" dirty="0" smtClean="0"/>
+              <a:rPr lang="fr-FR" dirty="0"/>
               <a:t>for</a:t>
             </a:r>
-            <a:endParaRPr lang="fr-FR" dirty="0"/>
           </a:p>
         </p:txBody>
       </p:sp>
@@ -3937,10 +3910,9 @@
           <a:lstStyle/>
           <a:p>
             <a:r>
-              <a:rPr lang="fr-FR" dirty="0" smtClean="0"/>
+              <a:rPr lang="fr-FR" dirty="0"/>
               <a:t>range</a:t>
             </a:r>
-            <a:endParaRPr lang="fr-FR" dirty="0"/>
           </a:p>
         </p:txBody>
       </p:sp>
@@ -4066,10 +4038,9 @@
           <a:lstStyle/>
           <a:p>
             <a:r>
-              <a:rPr lang="fr-FR" dirty="0" smtClean="0"/>
+              <a:rPr lang="fr-FR" dirty="0"/>
               <a:t>Break et continue</a:t>
             </a:r>
-            <a:endParaRPr lang="fr-FR" dirty="0"/>
           </a:p>
         </p:txBody>
       </p:sp>
@@ -4090,37 +4061,28 @@
           <a:p>
             <a:r>
               <a:rPr lang="fr-FR" dirty="0"/>
-              <a:t>b</a:t>
-            </a:r>
-            <a:r>
-              <a:rPr lang="fr-FR" dirty="0" smtClean="0"/>
-              <a:t>reak</a:t>
+              <a:t>break</a:t>
             </a:r>
           </a:p>
           <a:p>
             <a:pPr lvl="1"/>
             <a:r>
-              <a:rPr lang="fr-FR" dirty="0" smtClean="0"/>
+              <a:rPr lang="fr-FR" dirty="0"/>
               <a:t>Stop une itération</a:t>
             </a:r>
           </a:p>
           <a:p>
             <a:r>
               <a:rPr lang="fr-FR" dirty="0"/>
-              <a:t>c</a:t>
-            </a:r>
-            <a:r>
-              <a:rPr lang="fr-FR" dirty="0" smtClean="0"/>
-              <a:t>ontinue</a:t>
+              <a:t>continue</a:t>
             </a:r>
           </a:p>
           <a:p>
             <a:pPr lvl="1"/>
             <a:r>
-              <a:rPr lang="fr-FR" dirty="0" smtClean="0"/>
+              <a:rPr lang="fr-FR" dirty="0"/>
               <a:t>Passe à l’itération suivante</a:t>
             </a:r>
-            <a:endParaRPr lang="fr-FR" dirty="0"/>
           </a:p>
         </p:txBody>
       </p:sp>
@@ -4128,142 +4090,6 @@
     <p:extLst>
       <p:ext uri="{BB962C8B-B14F-4D97-AF65-F5344CB8AC3E}">
         <p14:creationId xmlns:p14="http://schemas.microsoft.com/office/powerpoint/2010/main" val="3918872295"/>
-      </p:ext>
-    </p:extLst>
-  </p:cSld>
-  <p:clrMapOvr>
-    <a:masterClrMapping/>
-  </p:clrMapOvr>
-</p:sld>
-</file>
-
-<file path=ppt/slides/slide13.xml><?xml version="1.0" encoding="utf-8"?>
-<p:sld xmlns:a="http://schemas.openxmlformats.org/drawingml/2006/main" xmlns:r="http://schemas.openxmlformats.org/officeDocument/2006/relationships" xmlns:p="http://schemas.openxmlformats.org/presentationml/2006/main">
-  <p:cSld>
-    <p:spTree>
-      <p:nvGrpSpPr>
-        <p:cNvPr id="1" name=""/>
-        <p:cNvGrpSpPr/>
-        <p:nvPr/>
-      </p:nvGrpSpPr>
-      <p:grpSpPr>
-        <a:xfrm>
-          <a:off x="0" y="0"/>
-          <a:ext cx="0" cy="0"/>
-          <a:chOff x="0" y="0"/>
-          <a:chExt cx="0" cy="0"/>
-        </a:xfrm>
-      </p:grpSpPr>
-      <p:sp>
-        <p:nvSpPr>
-          <p:cNvPr id="2" name="Titre 1"/>
-          <p:cNvSpPr>
-            <a:spLocks noGrp="1"/>
-          </p:cNvSpPr>
-          <p:nvPr>
-            <p:ph type="title"/>
-          </p:nvPr>
-        </p:nvSpPr>
-        <p:spPr/>
-        <p:txBody>
-          <a:bodyPr/>
-          <a:lstStyle/>
-          <a:p>
-            <a:r>
-              <a:rPr lang="fr-FR" dirty="0" smtClean="0"/>
-              <a:t>L’opérateur ternaire</a:t>
-            </a:r>
-            <a:endParaRPr lang="fr-FR" dirty="0"/>
-          </a:p>
-        </p:txBody>
-      </p:sp>
-      <p:sp>
-        <p:nvSpPr>
-          <p:cNvPr id="3" name="Espace réservé du contenu 2"/>
-          <p:cNvSpPr>
-            <a:spLocks noGrp="1"/>
-          </p:cNvSpPr>
-          <p:nvPr>
-            <p:ph idx="1"/>
-          </p:nvPr>
-        </p:nvSpPr>
-        <p:spPr/>
-        <p:txBody>
-          <a:bodyPr/>
-          <a:lstStyle/>
-          <a:p>
-            <a:r>
-              <a:rPr lang="fr-FR" dirty="0" smtClean="0"/>
-              <a:t>L’opérateur ternaire existe en Python</a:t>
-            </a:r>
-          </a:p>
-          <a:p>
-            <a:r>
-              <a:rPr lang="fr-FR" dirty="0" smtClean="0"/>
-              <a:t>Permet d’écrire un if </a:t>
-            </a:r>
-            <a:r>
-              <a:rPr lang="fr-FR" dirty="0" err="1" smtClean="0"/>
-              <a:t>else</a:t>
-            </a:r>
-            <a:r>
-              <a:rPr lang="fr-FR" dirty="0" smtClean="0"/>
-              <a:t> simple sur un ligne</a:t>
-            </a:r>
-          </a:p>
-          <a:p>
-            <a:r>
-              <a:rPr lang="en-US" dirty="0"/>
-              <a:t>a if condition else </a:t>
-            </a:r>
-            <a:r>
-              <a:rPr lang="en-US" dirty="0" smtClean="0"/>
-              <a:t>b</a:t>
-            </a:r>
-            <a:endParaRPr lang="fr-FR" dirty="0" smtClean="0"/>
-          </a:p>
-          <a:p>
-            <a:pPr lvl="1"/>
-            <a:r>
-              <a:rPr lang="fr-FR" dirty="0" smtClean="0"/>
-              <a:t>s = « Pair » </a:t>
-            </a:r>
-            <a:r>
-              <a:rPr lang="fr-FR" dirty="0" smtClean="0"/>
-              <a:t>if a % 2 == 0 </a:t>
-            </a:r>
-            <a:r>
-              <a:rPr lang="fr-FR" dirty="0" err="1" smtClean="0"/>
-              <a:t>else</a:t>
-            </a:r>
-            <a:r>
-              <a:rPr lang="fr-FR" dirty="0" smtClean="0"/>
-              <a:t> </a:t>
-            </a:r>
-            <a:r>
-              <a:rPr lang="fr-FR" dirty="0" smtClean="0"/>
-              <a:t>«</a:t>
-            </a:r>
-            <a:r>
-              <a:rPr lang="fr-FR" smtClean="0"/>
-              <a:t> Impair »</a:t>
-            </a:r>
-            <a:endParaRPr lang="fr-FR" dirty="0" smtClean="0"/>
-          </a:p>
-          <a:p>
-            <a:pPr lvl="1"/>
-            <a:r>
-              <a:rPr lang="fr-FR" dirty="0" smtClean="0"/>
-              <a:t>Utile pour les générateurs et liste en intention</a:t>
-            </a:r>
-            <a:endParaRPr lang="en-US" dirty="0" smtClean="0"/>
-          </a:p>
-        </p:txBody>
-      </p:sp>
-    </p:spTree>
-    <p:extLst>
-      <p:ext uri="{BB962C8B-B14F-4D97-AF65-F5344CB8AC3E}">
-        <p14:creationId xmlns:p14="http://schemas.microsoft.com/office/powerpoint/2010/main" val="1990955592"/>
       </p:ext>
     </p:extLst>
   </p:cSld>
@@ -4311,10 +4137,9 @@
           <a:lstStyle/>
           <a:p>
             <a:r>
-              <a:rPr lang="fr-FR" dirty="0" smtClean="0"/>
+              <a:rPr lang="fr-FR" dirty="0"/>
               <a:t>Conditions</a:t>
             </a:r>
-            <a:endParaRPr lang="fr-FR" dirty="0"/>
           </a:p>
         </p:txBody>
       </p:sp>
@@ -4412,10 +4237,9 @@
           <a:lstStyle/>
           <a:p>
             <a:r>
-              <a:rPr lang="fr-FR" dirty="0" smtClean="0"/>
+              <a:rPr lang="fr-FR" dirty="0"/>
               <a:t>Blocs</a:t>
             </a:r>
-            <a:endParaRPr lang="fr-FR" dirty="0"/>
           </a:p>
         </p:txBody>
       </p:sp>
@@ -4435,37 +4259,36 @@
           <a:lstStyle/>
           <a:p>
             <a:r>
-              <a:rPr lang="fr-FR" dirty="0" smtClean="0"/>
+              <a:rPr lang="fr-FR" dirty="0"/>
               <a:t>Un bloc de code est une morceau de code</a:t>
             </a:r>
           </a:p>
           <a:p>
             <a:pPr lvl="1"/>
             <a:r>
-              <a:rPr lang="fr-FR" dirty="0" smtClean="0"/>
+              <a:rPr lang="fr-FR" dirty="0"/>
               <a:t>Utilise pour la visibilité des variables</a:t>
             </a:r>
           </a:p>
           <a:p>
             <a:pPr lvl="1"/>
             <a:r>
-              <a:rPr lang="fr-FR" dirty="0" smtClean="0"/>
+              <a:rPr lang="fr-FR" dirty="0"/>
               <a:t>{} en C</a:t>
             </a:r>
           </a:p>
           <a:p>
             <a:r>
-              <a:rPr lang="fr-FR" dirty="0" smtClean="0"/>
+              <a:rPr lang="fr-FR" dirty="0"/>
               <a:t>Python utilise les indentations pour définir un bloc</a:t>
             </a:r>
           </a:p>
           <a:p>
             <a:pPr lvl="1"/>
             <a:r>
-              <a:rPr lang="fr-FR" dirty="0" smtClean="0"/>
+              <a:rPr lang="fr-FR" dirty="0"/>
               <a:t>Une indentation ou 4 espaces = 1 bloc</a:t>
             </a:r>
-            <a:endParaRPr lang="fr-FR" dirty="0"/>
           </a:p>
         </p:txBody>
       </p:sp>
@@ -4539,10 +4362,9 @@
           <a:lstStyle/>
           <a:p>
             <a:r>
-              <a:rPr lang="fr-FR" dirty="0" smtClean="0"/>
+              <a:rPr lang="fr-FR" dirty="0"/>
               <a:t>Blocs</a:t>
             </a:r>
-            <a:endParaRPr lang="fr-FR" dirty="0"/>
           </a:p>
         </p:txBody>
       </p:sp>
@@ -4616,10 +4438,9 @@
           <a:lstStyle/>
           <a:p>
             <a:r>
-              <a:rPr lang="fr-FR" dirty="0" smtClean="0"/>
+              <a:rPr lang="fr-FR" dirty="0"/>
               <a:t>Scope et indentation</a:t>
             </a:r>
-            <a:endParaRPr lang="fr-FR" dirty="0"/>
           </a:p>
         </p:txBody>
       </p:sp>
@@ -4641,75 +4462,58 @@
             <a:pPr eaLnBrk="1" hangingPunct="1"/>
             <a:r>
               <a:rPr lang="fr-BE" altLang="fr-FR" dirty="0"/>
-              <a:t>Il </a:t>
-            </a:r>
-            <a:r>
-              <a:rPr lang="fr-BE" altLang="fr-FR" dirty="0" smtClean="0"/>
-              <a:t>faut veiller </a:t>
-            </a:r>
+              <a:t>Il faut veiller à l’indentation car en python, il n’y pas de délimiteur pour définir les scopes</a:t>
+            </a:r>
+          </a:p>
+          <a:p>
+            <a:pPr eaLnBrk="1" hangingPunct="1"/>
             <a:r>
               <a:rPr lang="fr-BE" altLang="fr-FR" dirty="0"/>
-              <a:t>à l’indentation car en python, il n’y pas de délimiteur pour définir les </a:t>
-            </a:r>
-            <a:r>
-              <a:rPr lang="fr-BE" altLang="fr-FR" dirty="0" smtClean="0"/>
-              <a:t>scopes</a:t>
+              <a:t>Une variable est visible (scope) dans sa fonction ou dans son module</a:t>
             </a:r>
           </a:p>
           <a:p>
             <a:pPr eaLnBrk="1" hangingPunct="1"/>
             <a:r>
-              <a:rPr lang="fr-BE" altLang="fr-FR" dirty="0" smtClean="0"/>
-              <a:t>Une variable est visible (scope) dans sa fonction ou dans son module</a:t>
+              <a:rPr lang="fr-BE" altLang="fr-FR" dirty="0"/>
+              <a:t>Concis</a:t>
             </a:r>
           </a:p>
           <a:p>
             <a:pPr eaLnBrk="1" hangingPunct="1"/>
             <a:r>
-              <a:rPr lang="fr-BE" altLang="fr-FR" dirty="0" smtClean="0"/>
-              <a:t>Concis</a:t>
+              <a:rPr lang="fr-BE" altLang="fr-FR" dirty="0"/>
+              <a:t>Nécessite d’être très propre</a:t>
+            </a:r>
+          </a:p>
+          <a:p>
+            <a:pPr lvl="1" eaLnBrk="1" hangingPunct="1"/>
+            <a:r>
+              <a:rPr lang="fr-BE" altLang="fr-FR" dirty="0"/>
+              <a:t>Différents des langages de type C</a:t>
             </a:r>
           </a:p>
           <a:p>
             <a:pPr eaLnBrk="1" hangingPunct="1"/>
             <a:r>
-              <a:rPr lang="fr-BE" altLang="fr-FR" dirty="0" smtClean="0"/>
-              <a:t>Nécessite d’être très propre</a:t>
+              <a:rPr lang="fr-BE" altLang="fr-FR" dirty="0"/>
+              <a:t>Un bloc doit posséder du code</a:t>
             </a:r>
           </a:p>
           <a:p>
             <a:pPr lvl="1" eaLnBrk="1" hangingPunct="1"/>
             <a:r>
-              <a:rPr lang="fr-BE" altLang="fr-FR" dirty="0" smtClean="0"/>
-              <a:t>Différents des langages de type C</a:t>
-            </a:r>
-          </a:p>
-          <a:p>
-            <a:pPr eaLnBrk="1" hangingPunct="1"/>
-            <a:r>
-              <a:rPr lang="fr-BE" altLang="fr-FR" dirty="0" smtClean="0"/>
-              <a:t>Un bloc doit posséder du code</a:t>
-            </a:r>
-          </a:p>
-          <a:p>
-            <a:pPr lvl="1" eaLnBrk="1" hangingPunct="1"/>
-            <a:r>
               <a:rPr lang="fr-BE" altLang="fr-FR" dirty="0"/>
-              <a:t>C</a:t>
-            </a:r>
-            <a:r>
-              <a:rPr lang="fr-BE" altLang="fr-FR" dirty="0" smtClean="0"/>
-              <a:t>ommande </a:t>
-            </a:r>
-            <a:r>
-              <a:rPr lang="fr-BE" altLang="fr-FR" dirty="0" err="1" smtClean="0"/>
+              <a:t>Commande </a:t>
+            </a:r>
+            <a:r>
+              <a:rPr lang="fr-BE" altLang="fr-FR" dirty="0" err="1"/>
               <a:t>pass</a:t>
             </a:r>
             <a:r>
-              <a:rPr lang="fr-BE" altLang="fr-FR" dirty="0" smtClean="0"/>
+              <a:rPr lang="fr-BE" altLang="fr-FR" dirty="0"/>
               <a:t> qui ne fait rien !</a:t>
             </a:r>
-            <a:endParaRPr lang="fr-BE" altLang="fr-FR" dirty="0"/>
           </a:p>
         </p:txBody>
       </p:sp>
@@ -4760,7 +4564,7 @@
           <a:p>
             <a:pPr eaLnBrk="1" hangingPunct="1"/>
             <a:r>
-              <a:rPr lang="en-US" altLang="fr-FR" smtClean="0"/>
+              <a:rPr lang="en-US" altLang="fr-FR"/>
               <a:t>Grouping Indentation</a:t>
             </a:r>
           </a:p>
@@ -4786,7 +4590,7 @@
               <a:buNone/>
             </a:pPr>
             <a:r>
-              <a:rPr lang="en-US" altLang="fr-FR" sz="2000" smtClean="0"/>
+              <a:rPr lang="en-US" altLang="fr-FR" sz="2000"/>
               <a:t>In Python:</a:t>
             </a:r>
           </a:p>
@@ -4795,7 +4599,7 @@
               <a:buFontTx/>
               <a:buNone/>
             </a:pPr>
-            <a:endParaRPr lang="en-US" altLang="fr-FR" sz="2000" smtClean="0"/>
+            <a:endParaRPr lang="en-US" altLang="fr-FR" sz="2000"/>
           </a:p>
           <a:p>
             <a:pPr eaLnBrk="1" hangingPunct="1">
@@ -4803,7 +4607,7 @@
               <a:buNone/>
             </a:pPr>
             <a:r>
-              <a:rPr lang="en-US" altLang="fr-FR" sz="2000" smtClean="0"/>
+              <a:rPr lang="en-US" altLang="fr-FR" sz="2000"/>
               <a:t>for i in range(20):</a:t>
             </a:r>
           </a:p>
@@ -4813,7 +4617,7 @@
               <a:buNone/>
             </a:pPr>
             <a:r>
-              <a:rPr lang="en-US" altLang="fr-FR" sz="2000" smtClean="0"/>
+              <a:rPr lang="en-US" altLang="fr-FR" sz="2000"/>
               <a:t>    if i%3 == 0:</a:t>
             </a:r>
           </a:p>
@@ -4823,7 +4627,7 @@
               <a:buNone/>
             </a:pPr>
             <a:r>
-              <a:rPr lang="en-US" altLang="fr-FR" sz="2000" smtClean="0"/>
+              <a:rPr lang="en-US" altLang="fr-FR" sz="2000"/>
               <a:t>        print i</a:t>
             </a:r>
           </a:p>
@@ -4833,7 +4637,7 @@
               <a:buNone/>
             </a:pPr>
             <a:r>
-              <a:rPr lang="en-US" altLang="fr-FR" sz="2000" smtClean="0"/>
+              <a:rPr lang="en-US" altLang="fr-FR" sz="2000"/>
               <a:t>        if i%5 == 0:</a:t>
             </a:r>
           </a:p>
@@ -4843,7 +4647,7 @@
               <a:buNone/>
             </a:pPr>
             <a:r>
-              <a:rPr lang="en-US" altLang="fr-FR" sz="2000" smtClean="0"/>
+              <a:rPr lang="en-US" altLang="fr-FR" sz="2000"/>
               <a:t>            print "Bingo!"</a:t>
             </a:r>
           </a:p>
@@ -4853,7 +4657,7 @@
               <a:buNone/>
             </a:pPr>
             <a:r>
-              <a:rPr lang="en-US" altLang="fr-FR" sz="2000" smtClean="0"/>
+              <a:rPr lang="en-US" altLang="fr-FR" sz="2000"/>
               <a:t>    print "---"</a:t>
             </a:r>
           </a:p>
@@ -4887,7 +4691,7 @@
               <a:buNone/>
             </a:pPr>
             <a:r>
-              <a:rPr lang="en-US" altLang="fr-FR" sz="2000" smtClean="0"/>
+              <a:rPr lang="en-US" altLang="fr-FR" sz="2000"/>
               <a:t>In C:</a:t>
             </a:r>
           </a:p>
@@ -4899,7 +4703,7 @@
               <a:buFontTx/>
               <a:buNone/>
             </a:pPr>
-            <a:endParaRPr lang="en-US" altLang="fr-FR" sz="2000" smtClean="0"/>
+            <a:endParaRPr lang="en-US" altLang="fr-FR" sz="2000"/>
           </a:p>
           <a:p>
             <a:pPr eaLnBrk="1" hangingPunct="1">
@@ -4910,7 +4714,7 @@
               <a:buNone/>
             </a:pPr>
             <a:r>
-              <a:rPr lang="en-US" altLang="fr-FR" sz="2000" smtClean="0"/>
+              <a:rPr lang="en-US" altLang="fr-FR" sz="2000"/>
               <a:t>for (i = 0; i &lt; 20; i++)</a:t>
             </a:r>
           </a:p>
@@ -4923,7 +4727,7 @@
               <a:buNone/>
             </a:pPr>
             <a:r>
-              <a:rPr lang="en-US" altLang="fr-FR" sz="2000" smtClean="0"/>
+              <a:rPr lang="en-US" altLang="fr-FR" sz="2000"/>
               <a:t>{</a:t>
             </a:r>
           </a:p>
@@ -4936,7 +4740,7 @@
               <a:buNone/>
             </a:pPr>
             <a:r>
-              <a:rPr lang="en-US" altLang="fr-FR" sz="2000" smtClean="0"/>
+              <a:rPr lang="en-US" altLang="fr-FR" sz="2000"/>
               <a:t>    if (i%3 == 0) {</a:t>
             </a:r>
           </a:p>
@@ -4949,7 +4753,7 @@
               <a:buNone/>
             </a:pPr>
             <a:r>
-              <a:rPr lang="en-US" altLang="fr-FR" sz="2000" smtClean="0"/>
+              <a:rPr lang="en-US" altLang="fr-FR" sz="2000"/>
               <a:t>        printf("%d\n", i);</a:t>
             </a:r>
           </a:p>
@@ -4962,7 +4766,7 @@
               <a:buNone/>
             </a:pPr>
             <a:r>
-              <a:rPr lang="en-US" altLang="fr-FR" sz="2000" smtClean="0"/>
+              <a:rPr lang="en-US" altLang="fr-FR" sz="2000"/>
               <a:t>        if (i%5 == 0) {</a:t>
             </a:r>
           </a:p>
@@ -4975,7 +4779,7 @@
               <a:buNone/>
             </a:pPr>
             <a:r>
-              <a:rPr lang="en-US" altLang="fr-FR" sz="2000" smtClean="0"/>
+              <a:rPr lang="en-US" altLang="fr-FR" sz="2000"/>
               <a:t>            printf("Bingo!\n"); }</a:t>
             </a:r>
           </a:p>
@@ -4988,7 +4792,7 @@
               <a:buNone/>
             </a:pPr>
             <a:r>
-              <a:rPr lang="en-US" altLang="fr-FR" sz="2000" smtClean="0"/>
+              <a:rPr lang="en-US" altLang="fr-FR" sz="2000"/>
               <a:t>      }</a:t>
             </a:r>
           </a:p>
@@ -5001,7 +4805,7 @@
               <a:buNone/>
             </a:pPr>
             <a:r>
-              <a:rPr lang="en-US" altLang="fr-FR" sz="2000" smtClean="0"/>
+              <a:rPr lang="en-US" altLang="fr-FR" sz="2000"/>
               <a:t>      printf("---\n");</a:t>
             </a:r>
           </a:p>
@@ -5014,7 +4818,7 @@
               <a:buNone/>
             </a:pPr>
             <a:r>
-              <a:rPr lang="en-US" altLang="fr-FR" sz="2000" smtClean="0"/>
+              <a:rPr lang="en-US" altLang="fr-FR" sz="2000"/>
               <a:t>}</a:t>
             </a:r>
           </a:p>
@@ -5418,10 +5222,9 @@
           <a:lstStyle/>
           <a:p>
             <a:r>
-              <a:rPr lang="fr-FR" dirty="0" smtClean="0"/>
+              <a:rPr lang="fr-FR" dirty="0"/>
               <a:t>Opérateurs</a:t>
             </a:r>
-            <a:endParaRPr lang="fr-FR" dirty="0"/>
           </a:p>
         </p:txBody>
       </p:sp>
@@ -5610,10 +5413,9 @@
           <a:lstStyle/>
           <a:p>
             <a:r>
-              <a:rPr lang="fr-FR" dirty="0" smtClean="0"/>
+              <a:rPr lang="fr-FR" dirty="0"/>
               <a:t>Booléens</a:t>
             </a:r>
-            <a:endParaRPr lang="fr-FR" dirty="0"/>
           </a:p>
         </p:txBody>
       </p:sp>
@@ -5633,29 +5435,29 @@
           <a:lstStyle/>
           <a:p>
             <a:r>
-              <a:rPr lang="fr-FR" dirty="0" smtClean="0"/>
+              <a:rPr lang="fr-FR" dirty="0"/>
               <a:t>Python 3 possède le type </a:t>
             </a:r>
             <a:r>
-              <a:rPr lang="fr-FR" dirty="0" err="1" smtClean="0"/>
+              <a:rPr lang="fr-FR" dirty="0" err="1"/>
               <a:t>bool</a:t>
             </a:r>
-            <a:endParaRPr lang="fr-FR" dirty="0" smtClean="0"/>
-          </a:p>
-          <a:p>
-            <a:r>
-              <a:rPr lang="fr-FR" dirty="0" err="1" smtClean="0"/>
+            <a:endParaRPr lang="fr-FR" dirty="0"/>
+          </a:p>
+          <a:p>
+            <a:r>
+              <a:rPr lang="fr-FR" dirty="0" err="1"/>
               <a:t>True</a:t>
             </a:r>
             <a:r>
-              <a:rPr lang="fr-FR" dirty="0" smtClean="0"/>
+              <a:rPr lang="fr-FR" dirty="0"/>
               <a:t> ou False</a:t>
             </a:r>
           </a:p>
           <a:p>
             <a:pPr lvl="1"/>
             <a:r>
-              <a:rPr lang="fr-FR" dirty="0" smtClean="0"/>
+              <a:rPr lang="fr-FR" dirty="0"/>
               <a:t>Attention à la casse</a:t>
             </a:r>
           </a:p>
@@ -5707,10 +5509,9 @@
           <a:lstStyle/>
           <a:p>
             <a:r>
-              <a:rPr lang="fr-FR" dirty="0" smtClean="0"/>
+              <a:rPr lang="fr-FR" dirty="0"/>
               <a:t>Boucle</a:t>
             </a:r>
-            <a:endParaRPr lang="fr-FR" dirty="0"/>
           </a:p>
         </p:txBody>
       </p:sp>
@@ -5734,15 +5535,15 @@
               <a:buNone/>
             </a:pPr>
             <a:r>
-              <a:rPr lang="en-US" altLang="fr-FR" dirty="0" smtClean="0"/>
+              <a:rPr lang="en-US" altLang="fr-FR" dirty="0"/>
               <a:t>while </a:t>
             </a:r>
             <a:r>
-              <a:rPr lang="en-US" altLang="fr-FR" i="1" dirty="0" smtClean="0"/>
+              <a:rPr lang="en-US" altLang="fr-FR" i="1" dirty="0"/>
               <a:t>condition</a:t>
             </a:r>
             <a:r>
-              <a:rPr lang="en-US" altLang="fr-FR" dirty="0" smtClean="0"/>
+              <a:rPr lang="en-US" altLang="fr-FR" dirty="0"/>
               <a:t>:</a:t>
             </a:r>
           </a:p>
@@ -5752,21 +5553,21 @@
               <a:buNone/>
             </a:pPr>
             <a:r>
-              <a:rPr lang="en-US" altLang="fr-FR" dirty="0" smtClean="0"/>
+              <a:rPr lang="en-US" altLang="fr-FR" dirty="0"/>
               <a:t>    </a:t>
             </a:r>
             <a:r>
-              <a:rPr lang="en-US" altLang="fr-FR" i="1" dirty="0" smtClean="0"/>
+              <a:rPr lang="en-US" altLang="fr-FR" i="1" dirty="0"/>
               <a:t>statements</a:t>
             </a:r>
-            <a:endParaRPr lang="en-US" altLang="fr-FR" dirty="0" smtClean="0"/>
+            <a:endParaRPr lang="en-US" altLang="fr-FR" dirty="0"/>
           </a:p>
           <a:p>
             <a:pPr eaLnBrk="1" hangingPunct="1">
               <a:buFontTx/>
               <a:buNone/>
             </a:pPr>
-            <a:endParaRPr lang="en-US" altLang="fr-FR" dirty="0" smtClean="0"/>
+            <a:endParaRPr lang="en-US" altLang="fr-FR" dirty="0"/>
           </a:p>
         </p:txBody>
       </p:sp>

--- a/ppt/Python03-Structures.pptx
+++ b/ppt/Python03-Structures.pptx
@@ -3741,6 +3741,13 @@
   <p:clrMapOvr>
     <a:masterClrMapping/>
   </p:clrMapOvr>
+  <p:timing>
+    <p:tnLst>
+      <p:par>
+        <p:cTn id="1" dur="indefinite" restart="never" nodeType="tmRoot"/>
+      </p:par>
+    </p:tnLst>
+  </p:timing>
 </p:sld>
 </file>
 
@@ -3874,6 +3881,13 @@
   <p:clrMapOvr>
     <a:masterClrMapping/>
   </p:clrMapOvr>
+  <p:timing>
+    <p:tnLst>
+      <p:par>
+        <p:cTn id="1" dur="indefinite" restart="never" nodeType="tmRoot"/>
+      </p:par>
+    </p:tnLst>
+  </p:timing>
 </p:sld>
 </file>
 
@@ -4002,6 +4016,13 @@
   <p:clrMapOvr>
     <a:masterClrMapping/>
   </p:clrMapOvr>
+  <p:timing>
+    <p:tnLst>
+      <p:par>
+        <p:cTn id="1" dur="indefinite" restart="never" nodeType="tmRoot"/>
+      </p:par>
+    </p:tnLst>
+  </p:timing>
 </p:sld>
 </file>
 
@@ -4096,6 +4117,13 @@
   <p:clrMapOvr>
     <a:masterClrMapping/>
   </p:clrMapOvr>
+  <p:timing>
+    <p:tnLst>
+      <p:par>
+        <p:cTn id="1" dur="indefinite" restart="never" nodeType="tmRoot"/>
+      </p:par>
+    </p:tnLst>
+  </p:timing>
 </p:sld>
 </file>
 
@@ -4201,6 +4229,13 @@
   <p:clrMapOvr>
     <a:masterClrMapping/>
   </p:clrMapOvr>
+  <p:timing>
+    <p:tnLst>
+      <p:par>
+        <p:cTn id="1" dur="indefinite" restart="never" nodeType="tmRoot"/>
+      </p:par>
+    </p:tnLst>
+  </p:timing>
 </p:sld>
 </file>
 
@@ -4326,6 +4361,13 @@
   <p:clrMapOvr>
     <a:masterClrMapping/>
   </p:clrMapOvr>
+  <p:timing>
+    <p:tnLst>
+      <p:par>
+        <p:cTn id="1" dur="indefinite" restart="never" nodeType="tmRoot"/>
+      </p:par>
+    </p:tnLst>
+  </p:timing>
 </p:sld>
 </file>
 
@@ -4402,6 +4444,13 @@
   <p:clrMapOvr>
     <a:masterClrMapping/>
   </p:clrMapOvr>
+  <p:timing>
+    <p:tnLst>
+      <p:par>
+        <p:cTn id="1" dur="indefinite" restart="never" nodeType="tmRoot"/>
+      </p:par>
+    </p:tnLst>
+  </p:timing>
 </p:sld>
 </file>
 
@@ -4527,6 +4576,13 @@
   <p:clrMapOvr>
     <a:masterClrMapping/>
   </p:clrMapOvr>
+  <p:timing>
+    <p:tnLst>
+      <p:par>
+        <p:cTn id="1" dur="indefinite" restart="never" nodeType="tmRoot"/>
+      </p:par>
+    </p:tnLst>
+  </p:timing>
 </p:sld>
 </file>
 
@@ -5186,6 +5242,13 @@
   <p:clrMapOvr>
     <a:masterClrMapping/>
   </p:clrMapOvr>
+  <p:timing>
+    <p:tnLst>
+      <p:par>
+        <p:cTn id="1" dur="indefinite" restart="never" nodeType="tmRoot"/>
+      </p:par>
+    </p:tnLst>
+  </p:timing>
 </p:sld>
 </file>
 
@@ -5473,6 +5536,13 @@
   <p:clrMapOvr>
     <a:masterClrMapping/>
   </p:clrMapOvr>
+  <p:timing>
+    <p:tnLst>
+      <p:par>
+        <p:cTn id="1" dur="indefinite" restart="never" nodeType="tmRoot"/>
+      </p:par>
+    </p:tnLst>
+  </p:timing>
 </p:sld>
 </file>
 
@@ -5605,6 +5675,13 @@
   <p:clrMapOvr>
     <a:masterClrMapping/>
   </p:clrMapOvr>
+  <p:timing>
+    <p:tnLst>
+      <p:par>
+        <p:cTn id="1" dur="indefinite" restart="never" nodeType="tmRoot"/>
+      </p:par>
+    </p:tnLst>
+  </p:timing>
 </p:sld>
 </file>
 
